--- a/Projects/Football.pptx
+++ b/Projects/Football.pptx
@@ -3648,11 +3648,7 @@
             <a:pPr algn="ctr"/>
             <a:r>
               <a:rPr lang="en-US" dirty="0"/>
-              <a:t>4 </a:t>
-            </a:r>
-            <a:r>
-              <a:rPr lang="en-US"/>
-              <a:t>- 2 – 3 - 1</a:t>
+              <a:t>4 - 2 – 3 - 1</a:t>
             </a:r>
             <a:endParaRPr lang="en-ID" dirty="0"/>
           </a:p>
@@ -4055,6 +4051,60 @@
               <a:t>Formation</a:t>
             </a:r>
             <a:endParaRPr lang="en-ID" dirty="0"/>
+          </a:p>
+        </p:txBody>
+      </p:sp>
+      <p:sp>
+        <p:nvSpPr>
+          <p:cNvPr id="27" name="Rectangle 26">
+            <a:extLst>
+              <a:ext uri="{FF2B5EF4-FFF2-40B4-BE49-F238E27FC236}">
+                <a16:creationId xmlns:a16="http://schemas.microsoft.com/office/drawing/2014/main" id="{08E1C7B2-E7B4-4B8B-8EA0-CA8797BE5802}"/>
+              </a:ext>
+            </a:extLst>
+          </p:cNvPr>
+          <p:cNvSpPr/>
+          <p:nvPr/>
+        </p:nvSpPr>
+        <p:spPr>
+          <a:xfrm>
+            <a:off x="25896" y="-64418"/>
+            <a:ext cx="12166104" cy="1086169"/>
+          </a:xfrm>
+          <a:prstGeom prst="rect">
+            <a:avLst/>
+          </a:prstGeom>
+          <a:noFill/>
+          <a:ln w="19050">
+            <a:solidFill>
+              <a:srgbClr val="FFC000"/>
+            </a:solidFill>
+          </a:ln>
+        </p:spPr>
+        <p:style>
+          <a:lnRef idx="2">
+            <a:schemeClr val="accent1">
+              <a:shade val="50000"/>
+            </a:schemeClr>
+          </a:lnRef>
+          <a:fillRef idx="1">
+            <a:schemeClr val="accent1"/>
+          </a:fillRef>
+          <a:effectRef idx="0">
+            <a:schemeClr val="accent1"/>
+          </a:effectRef>
+          <a:fontRef idx="minor">
+            <a:schemeClr val="lt1"/>
+          </a:fontRef>
+        </p:style>
+        <p:txBody>
+          <a:bodyPr rtlCol="0" anchor="ctr"/>
+          <a:lstStyle/>
+          <a:p>
+            <a:pPr algn="ctr"/>
+            <a:endParaRPr lang="en-ID">
+              <a:noFill/>
+            </a:endParaRPr>
           </a:p>
         </p:txBody>
       </p:sp>
@@ -7045,7 +7095,7 @@
         </p:blipFill>
         <p:spPr>
           <a:xfrm flipH="1">
-            <a:off x="10478505" y="1474997"/>
+            <a:off x="10478505" y="1537821"/>
             <a:ext cx="2623838" cy="5995394"/>
           </a:xfrm>
           <a:prstGeom prst="rect">
@@ -10971,7 +11021,7 @@
         </p:blipFill>
         <p:spPr>
           <a:xfrm flipH="1">
-            <a:off x="10244590" y="1155118"/>
+            <a:off x="10079291" y="1104318"/>
             <a:ext cx="2623838" cy="5995394"/>
           </a:xfrm>
           <a:prstGeom prst="rect">
